--- a/docs/diagrams/DatabaseClassDiagram.pptx
+++ b/docs/diagrams/DatabaseClassDiagram.pptx
@@ -208,7 +208,7 @@
           <a:p>
             <a:fld id="{F5CC4B3F-88C1-4FFA-B1B6-F41C21DC6924}" type="datetimeFigureOut">
               <a:rPr lang="en-US" smtClean="0"/>
-              <a:t>4/14/2018</a:t>
+              <a:t>4/15/2018</a:t>
             </a:fld>
             <a:endParaRPr lang="en-US"/>
           </a:p>
@@ -738,7 +738,7 @@
           <a:p>
             <a:fld id="{78C97017-6FC3-485B-9764-EAC9E56C1D49}" type="datetimeFigureOut">
               <a:rPr lang="en-US" smtClean="0"/>
-              <a:t>4/14/2018</a:t>
+              <a:t>4/15/2018</a:t>
             </a:fld>
             <a:endParaRPr lang="en-US"/>
           </a:p>
@@ -906,7 +906,7 @@
           <a:p>
             <a:fld id="{78C97017-6FC3-485B-9764-EAC9E56C1D49}" type="datetimeFigureOut">
               <a:rPr lang="en-US" smtClean="0"/>
-              <a:t>4/14/2018</a:t>
+              <a:t>4/15/2018</a:t>
             </a:fld>
             <a:endParaRPr lang="en-US"/>
           </a:p>
@@ -1084,7 +1084,7 @@
           <a:p>
             <a:fld id="{78C97017-6FC3-485B-9764-EAC9E56C1D49}" type="datetimeFigureOut">
               <a:rPr lang="en-US" smtClean="0"/>
-              <a:t>4/14/2018</a:t>
+              <a:t>4/15/2018</a:t>
             </a:fld>
             <a:endParaRPr lang="en-US"/>
           </a:p>
@@ -1252,7 +1252,7 @@
           <a:p>
             <a:fld id="{78C97017-6FC3-485B-9764-EAC9E56C1D49}" type="datetimeFigureOut">
               <a:rPr lang="en-US" smtClean="0"/>
-              <a:t>4/14/2018</a:t>
+              <a:t>4/15/2018</a:t>
             </a:fld>
             <a:endParaRPr lang="en-US"/>
           </a:p>
@@ -1497,7 +1497,7 @@
           <a:p>
             <a:fld id="{78C97017-6FC3-485B-9764-EAC9E56C1D49}" type="datetimeFigureOut">
               <a:rPr lang="en-US" smtClean="0"/>
-              <a:t>4/14/2018</a:t>
+              <a:t>4/15/2018</a:t>
             </a:fld>
             <a:endParaRPr lang="en-US"/>
           </a:p>
@@ -1782,7 +1782,7 @@
           <a:p>
             <a:fld id="{78C97017-6FC3-485B-9764-EAC9E56C1D49}" type="datetimeFigureOut">
               <a:rPr lang="en-US" smtClean="0"/>
-              <a:t>4/14/2018</a:t>
+              <a:t>4/15/2018</a:t>
             </a:fld>
             <a:endParaRPr lang="en-US"/>
           </a:p>
@@ -2201,7 +2201,7 @@
           <a:p>
             <a:fld id="{78C97017-6FC3-485B-9764-EAC9E56C1D49}" type="datetimeFigureOut">
               <a:rPr lang="en-US" smtClean="0"/>
-              <a:t>4/14/2018</a:t>
+              <a:t>4/15/2018</a:t>
             </a:fld>
             <a:endParaRPr lang="en-US"/>
           </a:p>
@@ -2318,7 +2318,7 @@
           <a:p>
             <a:fld id="{78C97017-6FC3-485B-9764-EAC9E56C1D49}" type="datetimeFigureOut">
               <a:rPr lang="en-US" smtClean="0"/>
-              <a:t>4/14/2018</a:t>
+              <a:t>4/15/2018</a:t>
             </a:fld>
             <a:endParaRPr lang="en-US"/>
           </a:p>
@@ -2413,7 +2413,7 @@
           <a:p>
             <a:fld id="{78C97017-6FC3-485B-9764-EAC9E56C1D49}" type="datetimeFigureOut">
               <a:rPr lang="en-US" smtClean="0"/>
-              <a:t>4/14/2018</a:t>
+              <a:t>4/15/2018</a:t>
             </a:fld>
             <a:endParaRPr lang="en-US"/>
           </a:p>
@@ -2688,7 +2688,7 @@
           <a:p>
             <a:fld id="{78C97017-6FC3-485B-9764-EAC9E56C1D49}" type="datetimeFigureOut">
               <a:rPr lang="en-US" smtClean="0"/>
-              <a:t>4/14/2018</a:t>
+              <a:t>4/15/2018</a:t>
             </a:fld>
             <a:endParaRPr lang="en-US"/>
           </a:p>
@@ -2940,7 +2940,7 @@
           <a:p>
             <a:fld id="{78C97017-6FC3-485B-9764-EAC9E56C1D49}" type="datetimeFigureOut">
               <a:rPr lang="en-US" smtClean="0"/>
-              <a:t>4/14/2018</a:t>
+              <a:t>4/15/2018</a:t>
             </a:fld>
             <a:endParaRPr lang="en-US"/>
           </a:p>
@@ -3151,7 +3151,7 @@
           <a:p>
             <a:fld id="{78C97017-6FC3-485B-9764-EAC9E56C1D49}" type="datetimeFigureOut">
               <a:rPr lang="en-US" smtClean="0"/>
-              <a:t>4/14/2018</a:t>
+              <a:t>4/15/2018</a:t>
             </a:fld>
             <a:endParaRPr lang="en-US"/>
           </a:p>
@@ -3526,6 +3526,67 @@
           <a:chExt cx="0" cy="0"/>
         </a:xfrm>
       </p:grpSpPr>
+      <p:sp>
+        <p:nvSpPr>
+          <p:cNvPr id="2" name="Rectangle: Rounded Corners 1">
+            <a:extLst>
+              <a:ext uri="{FF2B5EF4-FFF2-40B4-BE49-F238E27FC236}">
+                <a16:creationId xmlns:a16="http://schemas.microsoft.com/office/drawing/2014/main" id="{8273478C-E921-4E39-959F-A70DC2966C63}"/>
+              </a:ext>
+            </a:extLst>
+          </p:cNvPr>
+          <p:cNvSpPr/>
+          <p:nvPr/>
+        </p:nvSpPr>
+        <p:spPr>
+          <a:xfrm>
+            <a:off x="152400" y="76200"/>
+            <a:ext cx="10439400" cy="7010400"/>
+          </a:xfrm>
+          <a:prstGeom prst="roundRect">
+            <a:avLst>
+              <a:gd name="adj" fmla="val 4887"/>
+            </a:avLst>
+          </a:prstGeom>
+          <a:solidFill>
+            <a:schemeClr val="bg1">
+              <a:lumMod val="95000"/>
+            </a:schemeClr>
+          </a:solidFill>
+          <a:ln>
+            <a:solidFill>
+              <a:schemeClr val="tx1">
+                <a:lumMod val="65000"/>
+                <a:lumOff val="35000"/>
+              </a:schemeClr>
+            </a:solidFill>
+          </a:ln>
+        </p:spPr>
+        <p:style>
+          <a:lnRef idx="2">
+            <a:schemeClr val="accent1">
+              <a:shade val="50000"/>
+            </a:schemeClr>
+          </a:lnRef>
+          <a:fillRef idx="1">
+            <a:schemeClr val="accent1"/>
+          </a:fillRef>
+          <a:effectRef idx="0">
+            <a:schemeClr val="accent1"/>
+          </a:effectRef>
+          <a:fontRef idx="minor">
+            <a:schemeClr val="lt1"/>
+          </a:fontRef>
+        </p:style>
+        <p:txBody>
+          <a:bodyPr rtlCol="0" anchor="ctr"/>
+          <a:lstStyle/>
+          <a:p>
+            <a:pPr algn="ctr"/>
+            <a:endParaRPr lang="en-SG" dirty="0"/>
+          </a:p>
+        </p:txBody>
+      </p:sp>
       <p:graphicFrame>
         <p:nvGraphicFramePr>
           <p:cNvPr id="3" name="Table 2">
@@ -4566,6 +4627,41 @@
             <a:r>
               <a:rPr lang="en-SG" dirty="0"/>
               <a:t>*</a:t>
+            </a:r>
+          </a:p>
+        </p:txBody>
+      </p:sp>
+      <p:sp>
+        <p:nvSpPr>
+          <p:cNvPr id="4" name="TextBox 3">
+            <a:extLst>
+              <a:ext uri="{FF2B5EF4-FFF2-40B4-BE49-F238E27FC236}">
+                <a16:creationId xmlns:a16="http://schemas.microsoft.com/office/drawing/2014/main" id="{6AD56C16-8021-4252-8E63-C75717806294}"/>
+              </a:ext>
+            </a:extLst>
+          </p:cNvPr>
+          <p:cNvSpPr txBox="1"/>
+          <p:nvPr/>
+        </p:nvSpPr>
+        <p:spPr>
+          <a:xfrm>
+            <a:off x="408708" y="76200"/>
+            <a:ext cx="1447800" cy="369332"/>
+          </a:xfrm>
+          <a:prstGeom prst="rect">
+            <a:avLst/>
+          </a:prstGeom>
+          <a:noFill/>
+        </p:spPr>
+        <p:txBody>
+          <a:bodyPr wrap="square" rtlCol="0">
+            <a:spAutoFit/>
+          </a:bodyPr>
+          <a:lstStyle/>
+          <a:p>
+            <a:r>
+              <a:rPr lang="en-SG" dirty="0"/>
+              <a:t>Database</a:t>
             </a:r>
           </a:p>
         </p:txBody>
